--- a/暑假网页汇报.pptx
+++ b/暑假网页汇报.pptx
@@ -9441,7 +9441,7 @@
           <a:p>
             <a:r>
               <a:rPr lang="zh-CN" altLang="en-US" sz="2400"/>
-              <a:t>通过整个暑假的学习，锻炼了自己的动手能力，明显感受到自己对代码运用还不熟练，一边写一边解决问题会学到很多东西，深切体会到前端的优化很重要，</a:t>
+              <a:t>通过整个寒假的学习，锻炼了自己的动手能力，明显感受到自己对代码运用还不熟练，一边写一边解决问题会学到很多东西，深切体会到前端的优化很重要，</a:t>
             </a:r>
             <a:r>
               <a:rPr lang="en-US" altLang="zh-CN" sz="2400"/>
@@ -9619,15 +9619,7 @@
             </a:r>
             <a:r>
               <a:rPr lang="zh-CN" altLang="en-US"/>
-              <a:t>三周熟练使用</a:t>
-            </a:r>
-            <a:r>
-              <a:rPr lang="en-US" altLang="zh-CN"/>
-              <a:t>javascrip</a:t>
-            </a:r>
-            <a:r>
-              <a:rPr lang="zh-CN" altLang="en-US"/>
-              <a:t>。</a:t>
+              <a:t>三周熟练使用javascript。</a:t>
             </a:r>
             <a:endParaRPr lang="en-US" altLang="zh-CN"/>
           </a:p>
@@ -9649,7 +9641,7 @@
             </a:r>
             <a:r>
               <a:rPr lang="zh-CN" altLang="en-US"/>
-              <a:t>框架（两个月）</a:t>
+              <a:t>框架（两个月）。</a:t>
             </a:r>
             <a:endParaRPr lang="zh-CN" altLang="en-US"/>
           </a:p>
